--- a/Document/BigMart_Slide.pptx
+++ b/Document/BigMart_Slide.pptx
@@ -12866,6 +12866,36 @@
           </a:p>
         </p:txBody>
       </p:sp>
+      <p:pic>
+        <p:nvPicPr>
+          <p:cNvPr id="5" name="Picture 4" descr="Diagram&#10;&#10;Description automatically generated">
+            <a:extLst>
+              <a:ext uri="{FF2B5EF4-FFF2-40B4-BE49-F238E27FC236}">
+                <a16:creationId xmlns:a16="http://schemas.microsoft.com/office/drawing/2014/main" id="{35B9DA0F-A9B9-DEB1-ED1E-35C60EE918F6}"/>
+              </a:ext>
+            </a:extLst>
+          </p:cNvPr>
+          <p:cNvPicPr>
+            <a:picLocks noChangeAspect="1"/>
+          </p:cNvPicPr>
+          <p:nvPr/>
+        </p:nvPicPr>
+        <p:blipFill>
+          <a:blip r:embed="rId2"/>
+          <a:stretch>
+            <a:fillRect/>
+          </a:stretch>
+        </p:blipFill>
+        <p:spPr>
+          <a:xfrm>
+            <a:off x="2769393" y="1541039"/>
+            <a:ext cx="6500813" cy="3775921"/>
+          </a:xfrm>
+          <a:prstGeom prst="rect">
+            <a:avLst/>
+          </a:prstGeom>
+        </p:spPr>
+      </p:pic>
     </p:spTree>
     <p:extLst>
       <p:ext uri="{BB962C8B-B14F-4D97-AF65-F5344CB8AC3E}">
@@ -12972,6 +13002,36 @@
           </a:p>
         </p:txBody>
       </p:sp>
+      <p:pic>
+        <p:nvPicPr>
+          <p:cNvPr id="3" name="Picture 2" descr="Diagram&#10;&#10;Description automatically generated">
+            <a:extLst>
+              <a:ext uri="{FF2B5EF4-FFF2-40B4-BE49-F238E27FC236}">
+                <a16:creationId xmlns:a16="http://schemas.microsoft.com/office/drawing/2014/main" id="{2B1AD506-67E3-87EE-B15D-689CFF4ACBD8}"/>
+              </a:ext>
+            </a:extLst>
+          </p:cNvPr>
+          <p:cNvPicPr>
+            <a:picLocks noChangeAspect="1"/>
+          </p:cNvPicPr>
+          <p:nvPr/>
+        </p:nvPicPr>
+        <p:blipFill>
+          <a:blip r:embed="rId2"/>
+          <a:stretch>
+            <a:fillRect/>
+          </a:stretch>
+        </p:blipFill>
+        <p:spPr>
+          <a:xfrm>
+            <a:off x="2886075" y="1077912"/>
+            <a:ext cx="6419850" cy="5311856"/>
+          </a:xfrm>
+          <a:prstGeom prst="rect">
+            <a:avLst/>
+          </a:prstGeom>
+        </p:spPr>
+      </p:pic>
     </p:spTree>
     <p:extLst>
       <p:ext uri="{BB962C8B-B14F-4D97-AF65-F5344CB8AC3E}">

--- a/Document/BigMart_Slide.pptx
+++ b/Document/BigMart_Slide.pptx
@@ -11709,7 +11709,39 @@
                   <a:schemeClr val="lt1"/>
                 </a:solidFill>
               </a:rPr>
-              <a:t>: ………………………..</a:t>
+              <a:t>: </a:t>
+            </a:r>
+            <a:r>
+              <a:rPr lang="en-US" sz="2000" b="1" dirty="0" err="1">
+                <a:solidFill>
+                  <a:schemeClr val="lt1"/>
+                </a:solidFill>
+              </a:rPr>
+              <a:t>Vũ</a:t>
+            </a:r>
+            <a:r>
+              <a:rPr lang="en-US" sz="2000" b="1" dirty="0">
+                <a:solidFill>
+                  <a:schemeClr val="lt1"/>
+                </a:solidFill>
+              </a:rPr>
+              <a:t> </a:t>
+            </a:r>
+            <a:r>
+              <a:rPr lang="en-US" sz="2000" b="1" dirty="0" err="1">
+                <a:solidFill>
+                  <a:schemeClr val="lt1"/>
+                </a:solidFill>
+              </a:rPr>
+              <a:t>Tuấn</a:t>
+            </a:r>
+            <a:r>
+              <a:rPr lang="en-US" sz="2000" b="1" dirty="0">
+                <a:solidFill>
+                  <a:schemeClr val="lt1"/>
+                </a:solidFill>
+              </a:rPr>
+              <a:t> Minh</a:t>
             </a:r>
           </a:p>
         </p:txBody>
@@ -11800,7 +11832,7 @@
             </a:pPr>
             <a:r>
               <a:rPr lang="en-US" dirty="0" err="1"/>
-              <a:t>FontEnd</a:t>
+              <a:t>FrontEnd</a:t>
             </a:r>
             <a:endParaRPr lang="en-US" dirty="0"/>
           </a:p>
@@ -12744,10 +12776,10 @@
       </p:sp>
       <p:pic>
         <p:nvPicPr>
-          <p:cNvPr id="5" name="Picture 4" descr="Diagram&#10;&#10;Description automatically generated">
+          <p:cNvPr id="6" name="Picture 5">
             <a:extLst>
               <a:ext uri="{FF2B5EF4-FFF2-40B4-BE49-F238E27FC236}">
-                <a16:creationId xmlns:a16="http://schemas.microsoft.com/office/drawing/2014/main" id="{F57F5D4B-AAA2-0B40-976E-31D2D8DB843B}"/>
+                <a16:creationId xmlns:a16="http://schemas.microsoft.com/office/drawing/2014/main" id="{98FB39FB-8D21-03CF-FE39-F9046F67DA25}"/>
               </a:ext>
             </a:extLst>
           </p:cNvPr>
@@ -12764,8 +12796,8 @@
         </p:blipFill>
         <p:spPr>
           <a:xfrm>
-            <a:off x="1217630" y="1676400"/>
-            <a:ext cx="9336069" cy="2967037"/>
+            <a:off x="2438400" y="1020762"/>
+            <a:ext cx="7051305" cy="5003739"/>
           </a:xfrm>
           <a:prstGeom prst="rect">
             <a:avLst/>
@@ -12860,7 +12892,7 @@
             </a:pPr>
             <a:r>
               <a:rPr lang="en-US" dirty="0" err="1"/>
-              <a:t>FontEnd</a:t>
+              <a:t>FrontEnd</a:t>
             </a:r>
             <a:endParaRPr lang="en-US" dirty="0"/>
           </a:p>
@@ -12868,10 +12900,10 @@
       </p:sp>
       <p:pic>
         <p:nvPicPr>
-          <p:cNvPr id="5" name="Picture 4" descr="Diagram&#10;&#10;Description automatically generated">
+          <p:cNvPr id="6" name="Picture 5">
             <a:extLst>
               <a:ext uri="{FF2B5EF4-FFF2-40B4-BE49-F238E27FC236}">
-                <a16:creationId xmlns:a16="http://schemas.microsoft.com/office/drawing/2014/main" id="{35B9DA0F-A9B9-DEB1-ED1E-35C60EE918F6}"/>
+                <a16:creationId xmlns:a16="http://schemas.microsoft.com/office/drawing/2014/main" id="{6C225A9C-AFC8-8F12-F45A-202CA92AA59D}"/>
               </a:ext>
             </a:extLst>
           </p:cNvPr>
@@ -12888,8 +12920,8 @@
         </p:blipFill>
         <p:spPr>
           <a:xfrm>
-            <a:off x="2769393" y="1541039"/>
-            <a:ext cx="6500813" cy="3775921"/>
+            <a:off x="3151719" y="1020762"/>
+            <a:ext cx="5611281" cy="5340945"/>
           </a:xfrm>
           <a:prstGeom prst="rect">
             <a:avLst/>
@@ -13004,10 +13036,10 @@
       </p:sp>
       <p:pic>
         <p:nvPicPr>
-          <p:cNvPr id="3" name="Picture 2" descr="Diagram&#10;&#10;Description automatically generated">
+          <p:cNvPr id="6" name="Picture 5">
             <a:extLst>
               <a:ext uri="{FF2B5EF4-FFF2-40B4-BE49-F238E27FC236}">
-                <a16:creationId xmlns:a16="http://schemas.microsoft.com/office/drawing/2014/main" id="{2B1AD506-67E3-87EE-B15D-689CFF4ACBD8}"/>
+                <a16:creationId xmlns:a16="http://schemas.microsoft.com/office/drawing/2014/main" id="{387856FB-4E86-07FC-4B01-70C1E42CD780}"/>
               </a:ext>
             </a:extLst>
           </p:cNvPr>
@@ -13024,8 +13056,8 @@
         </p:blipFill>
         <p:spPr>
           <a:xfrm>
-            <a:off x="2886075" y="1077912"/>
-            <a:ext cx="6419850" cy="5311856"/>
+            <a:off x="2649772" y="1020763"/>
+            <a:ext cx="7226325" cy="5307766"/>
           </a:xfrm>
           <a:prstGeom prst="rect">
             <a:avLst/>
@@ -13179,10 +13211,10 @@
       </p:sp>
       <p:pic>
         <p:nvPicPr>
-          <p:cNvPr id="5" name="Picture 4">
+          <p:cNvPr id="6" name="Picture 5">
             <a:extLst>
               <a:ext uri="{FF2B5EF4-FFF2-40B4-BE49-F238E27FC236}">
-                <a16:creationId xmlns:a16="http://schemas.microsoft.com/office/drawing/2014/main" id="{9A968A6C-AFC5-C95F-07A7-A955DC0DD5E3}"/>
+                <a16:creationId xmlns:a16="http://schemas.microsoft.com/office/drawing/2014/main" id="{1FA0B263-7A8C-942B-428E-57EFF6369DFA}"/>
               </a:ext>
             </a:extLst>
           </p:cNvPr>
@@ -13199,8 +13231,8 @@
         </p:blipFill>
         <p:spPr>
           <a:xfrm>
-            <a:off x="2126120" y="1361507"/>
-            <a:ext cx="8084680" cy="4814023"/>
+            <a:off x="2586037" y="1228725"/>
+            <a:ext cx="7019925" cy="4400550"/>
           </a:xfrm>
           <a:prstGeom prst="rect">
             <a:avLst/>
@@ -13364,6 +13396,36 @@
           </a:p>
         </p:txBody>
       </p:sp>
+      <p:pic>
+        <p:nvPicPr>
+          <p:cNvPr id="3" name="Picture 2">
+            <a:extLst>
+              <a:ext uri="{FF2B5EF4-FFF2-40B4-BE49-F238E27FC236}">
+                <a16:creationId xmlns:a16="http://schemas.microsoft.com/office/drawing/2014/main" id="{DDEDB57E-A2B9-2414-E321-37EEB1A92C0B}"/>
+              </a:ext>
+            </a:extLst>
+          </p:cNvPr>
+          <p:cNvPicPr>
+            <a:picLocks noChangeAspect="1"/>
+          </p:cNvPicPr>
+          <p:nvPr/>
+        </p:nvPicPr>
+        <p:blipFill>
+          <a:blip r:embed="rId2"/>
+          <a:stretch>
+            <a:fillRect/>
+          </a:stretch>
+        </p:blipFill>
+        <p:spPr>
+          <a:xfrm>
+            <a:off x="2458981" y="1020762"/>
+            <a:ext cx="6989819" cy="5272030"/>
+          </a:xfrm>
+          <a:prstGeom prst="rect">
+            <a:avLst/>
+          </a:prstGeom>
+        </p:spPr>
+      </p:pic>
     </p:spTree>
     <p:extLst>
       <p:ext uri="{BB962C8B-B14F-4D97-AF65-F5344CB8AC3E}">
